--- a/信息学奥赛/趣学C++编程/第5单元 数组、排序和字符串/第5课 二维数组/二维数组.pptx
+++ b/信息学奥赛/趣学C++编程/第5单元 数组、排序和字符串/第5课 二维数组/二维数组.pptx
@@ -5,11 +5,10 @@
     <p:sldMasterId id="2147483648" r:id="rId1"/>
   </p:sldMasterIdLst>
   <p:sldIdLst>
-    <p:sldId id="257" r:id="rId2"/>
-    <p:sldId id="673" r:id="rId3"/>
-    <p:sldId id="780" r:id="rId4"/>
-    <p:sldId id="785" r:id="rId5"/>
-    <p:sldId id="781" r:id="rId6"/>
+    <p:sldId id="673" r:id="rId2"/>
+    <p:sldId id="780" r:id="rId3"/>
+    <p:sldId id="785" r:id="rId4"/>
+    <p:sldId id="781" r:id="rId5"/>
   </p:sldIdLst>
   <p:sldSz cx="12192000" cy="6858000"/>
   <p:notesSz cx="6858000" cy="9144000"/>
@@ -263,7 +262,7 @@
           <a:p>
             <a:fld id="{6DB8FC75-0739-4932-875F-958490033975}" type="datetimeFigureOut">
               <a:rPr lang="zh-CN" altLang="en-US" smtClean="0"/>
-              <a:t>2022/2/5</a:t>
+              <a:t>2023/3/7</a:t>
             </a:fld>
             <a:endParaRPr lang="zh-CN" altLang="en-US"/>
           </a:p>
@@ -461,7 +460,7 @@
           <a:p>
             <a:fld id="{6DB8FC75-0739-4932-875F-958490033975}" type="datetimeFigureOut">
               <a:rPr lang="zh-CN" altLang="en-US" smtClean="0"/>
-              <a:t>2022/2/5</a:t>
+              <a:t>2023/3/7</a:t>
             </a:fld>
             <a:endParaRPr lang="zh-CN" altLang="en-US"/>
           </a:p>
@@ -669,7 +668,7 @@
           <a:p>
             <a:fld id="{6DB8FC75-0739-4932-875F-958490033975}" type="datetimeFigureOut">
               <a:rPr lang="zh-CN" altLang="en-US" smtClean="0"/>
-              <a:t>2022/2/5</a:t>
+              <a:t>2023/3/7</a:t>
             </a:fld>
             <a:endParaRPr lang="zh-CN" altLang="en-US"/>
           </a:p>
@@ -867,7 +866,7 @@
           <a:p>
             <a:fld id="{6DB8FC75-0739-4932-875F-958490033975}" type="datetimeFigureOut">
               <a:rPr lang="zh-CN" altLang="en-US" smtClean="0"/>
-              <a:t>2022/2/5</a:t>
+              <a:t>2023/3/7</a:t>
             </a:fld>
             <a:endParaRPr lang="zh-CN" altLang="en-US"/>
           </a:p>
@@ -1142,7 +1141,7 @@
           <a:p>
             <a:fld id="{6DB8FC75-0739-4932-875F-958490033975}" type="datetimeFigureOut">
               <a:rPr lang="zh-CN" altLang="en-US" smtClean="0"/>
-              <a:t>2022/2/5</a:t>
+              <a:t>2023/3/7</a:t>
             </a:fld>
             <a:endParaRPr lang="zh-CN" altLang="en-US"/>
           </a:p>
@@ -1407,7 +1406,7 @@
           <a:p>
             <a:fld id="{6DB8FC75-0739-4932-875F-958490033975}" type="datetimeFigureOut">
               <a:rPr lang="zh-CN" altLang="en-US" smtClean="0"/>
-              <a:t>2022/2/5</a:t>
+              <a:t>2023/3/7</a:t>
             </a:fld>
             <a:endParaRPr lang="zh-CN" altLang="en-US"/>
           </a:p>
@@ -1819,7 +1818,7 @@
           <a:p>
             <a:fld id="{6DB8FC75-0739-4932-875F-958490033975}" type="datetimeFigureOut">
               <a:rPr lang="zh-CN" altLang="en-US" smtClean="0"/>
-              <a:t>2022/2/5</a:t>
+              <a:t>2023/3/7</a:t>
             </a:fld>
             <a:endParaRPr lang="zh-CN" altLang="en-US"/>
           </a:p>
@@ -1960,7 +1959,7 @@
           <a:p>
             <a:fld id="{6DB8FC75-0739-4932-875F-958490033975}" type="datetimeFigureOut">
               <a:rPr lang="zh-CN" altLang="en-US" smtClean="0"/>
-              <a:t>2022/2/5</a:t>
+              <a:t>2023/3/7</a:t>
             </a:fld>
             <a:endParaRPr lang="zh-CN" altLang="en-US"/>
           </a:p>
@@ -2121,7 +2120,7 @@
           </a:ln>
           <a:extLst>
             <a:ext uri="{C572A759-6A51-4108-AA02-DFA0A04FC94B}">
-              <ma14:wrappingTextBoxFlag xmlns="" xmlns:m="http://schemas.openxmlformats.org/officeDocument/2006/math" xmlns:a14="http://schemas.microsoft.com/office/drawing/2010/main" xmlns:ma14="http://schemas.microsoft.com/office/mac/drawingml/2011/main" val="1"/>
+              <ma14:wrappingTextBoxFlag xmlns:ma14="http://schemas.microsoft.com/office/mac/drawingml/2011/main" xmlns:a14="http://schemas.microsoft.com/office/drawing/2010/main" xmlns:m="http://schemas.openxmlformats.org/officeDocument/2006/math" xmlns="" val="1"/>
             </a:ext>
           </a:extLst>
         </p:spPr>
@@ -2311,7 +2310,7 @@
           </a:ln>
           <a:extLst>
             <a:ext uri="{C572A759-6A51-4108-AA02-DFA0A04FC94B}">
-              <ma14:wrappingTextBoxFlag xmlns:ma14="http://schemas.microsoft.com/office/mac/drawingml/2011/main" xmlns:a14="http://schemas.microsoft.com/office/drawing/2010/main" xmlns:m="http://schemas.openxmlformats.org/officeDocument/2006/math" xmlns="" val="1"/>
+              <ma14:wrappingTextBoxFlag xmlns="" xmlns:m="http://schemas.openxmlformats.org/officeDocument/2006/math" xmlns:a14="http://schemas.microsoft.com/office/drawing/2010/main" xmlns:ma14="http://schemas.microsoft.com/office/mac/drawingml/2011/main" val="1"/>
             </a:ext>
           </a:extLst>
         </p:spPr>
@@ -2690,7 +2689,7 @@
           <a:p>
             <a:fld id="{6DB8FC75-0739-4932-875F-958490033975}" type="datetimeFigureOut">
               <a:rPr lang="zh-CN" altLang="en-US" smtClean="0"/>
-              <a:t>2022/2/5</a:t>
+              <a:t>2023/3/7</a:t>
             </a:fld>
             <a:endParaRPr lang="zh-CN" altLang="en-US"/>
           </a:p>
@@ -2978,7 +2977,7 @@
           <a:p>
             <a:fld id="{6DB8FC75-0739-4932-875F-958490033975}" type="datetimeFigureOut">
               <a:rPr lang="zh-CN" altLang="en-US" smtClean="0"/>
-              <a:t>2022/2/5</a:t>
+              <a:t>2023/3/7</a:t>
             </a:fld>
             <a:endParaRPr lang="zh-CN" altLang="en-US"/>
           </a:p>
@@ -3219,7 +3218,7 @@
           <a:p>
             <a:fld id="{6DB8FC75-0739-4932-875F-958490033975}" type="datetimeFigureOut">
               <a:rPr lang="zh-CN" altLang="en-US" smtClean="0"/>
-              <a:t>2022/2/5</a:t>
+              <a:t>2023/3/7</a:t>
             </a:fld>
             <a:endParaRPr lang="zh-CN" altLang="en-US"/>
           </a:p>
@@ -3622,136 +3621,6 @@
 <file path=ppt/slides/slide1.xml><?xml version="1.0" encoding="utf-8"?>
 <p:sld xmlns:a="http://schemas.openxmlformats.org/drawingml/2006/main" xmlns:r="http://schemas.openxmlformats.org/officeDocument/2006/relationships" xmlns:p="http://schemas.openxmlformats.org/presentationml/2006/main">
   <p:cSld>
-    <p:bg>
-      <p:bgPr>
-        <a:blipFill dpi="0" rotWithShape="1">
-          <a:blip r:embed="rId2">
-            <a:lum/>
-          </a:blip>
-          <a:srcRect/>
-          <a:stretch>
-            <a:fillRect t="-16000" b="-16000"/>
-          </a:stretch>
-        </a:blipFill>
-        <a:effectLst/>
-      </p:bgPr>
-    </p:bg>
-    <p:spTree>
-      <p:nvGrpSpPr>
-        <p:cNvPr id="1" name=""/>
-        <p:cNvGrpSpPr/>
-        <p:nvPr/>
-      </p:nvGrpSpPr>
-      <p:grpSpPr>
-        <a:xfrm>
-          <a:off x="0" y="0"/>
-          <a:ext cx="0" cy="0"/>
-          <a:chOff x="0" y="0"/>
-          <a:chExt cx="0" cy="0"/>
-        </a:xfrm>
-      </p:grpSpPr>
-      <p:sp>
-        <p:nvSpPr>
-          <p:cNvPr id="3" name="矩形 2">
-            <a:extLst>
-              <a:ext uri="{FF2B5EF4-FFF2-40B4-BE49-F238E27FC236}">
-                <a16:creationId xmlns:a16="http://schemas.microsoft.com/office/drawing/2014/main" id="{22348EFA-E9F8-476D-9765-C8F8635CE4B4}"/>
-              </a:ext>
-            </a:extLst>
-          </p:cNvPr>
-          <p:cNvSpPr/>
-          <p:nvPr/>
-        </p:nvSpPr>
-        <p:spPr>
-          <a:xfrm>
-            <a:off x="4871000" y="2861649"/>
-            <a:ext cx="5724645" cy="923330"/>
-          </a:xfrm>
-          <a:prstGeom prst="rect">
-            <a:avLst/>
-          </a:prstGeom>
-          <a:noFill/>
-        </p:spPr>
-        <p:txBody>
-          <a:bodyPr wrap="none" lIns="91440" tIns="45720" rIns="91440" bIns="45720">
-            <a:prstTxWarp prst="textArchUp">
-              <a:avLst/>
-            </a:prstTxWarp>
-            <a:spAutoFit/>
-          </a:bodyPr>
-          <a:lstStyle/>
-          <a:p>
-            <a:pPr algn="ctr"/>
-            <a:r>
-              <a:rPr lang="zh-CN" altLang="en-US" sz="5400" b="1" cap="none" spc="0">
-                <a:ln w="22225">
-                  <a:solidFill>
-                    <a:schemeClr val="accent2"/>
-                  </a:solidFill>
-                  <a:prstDash val="solid"/>
-                </a:ln>
-                <a:solidFill>
-                  <a:schemeClr val="accent2">
-                    <a:lumMod val="40000"/>
-                    <a:lumOff val="60000"/>
-                  </a:schemeClr>
-                </a:solidFill>
-                <a:effectLst/>
-              </a:rPr>
-              <a:t>二维数组</a:t>
-            </a:r>
-            <a:r>
-              <a:rPr lang="en-US" altLang="zh-CN" sz="5400" b="1" cap="none" spc="0">
-                <a:ln w="22225">
-                  <a:solidFill>
-                    <a:schemeClr val="accent2"/>
-                  </a:solidFill>
-                  <a:prstDash val="solid"/>
-                </a:ln>
-                <a:solidFill>
-                  <a:schemeClr val="accent2">
-                    <a:lumMod val="40000"/>
-                    <a:lumOff val="60000"/>
-                  </a:schemeClr>
-                </a:solidFill>
-                <a:effectLst/>
-              </a:rPr>
-              <a:t> </a:t>
-            </a:r>
-            <a:endParaRPr lang="zh-CN" altLang="en-US" sz="5400" b="1" cap="none" spc="0">
-              <a:ln w="22225">
-                <a:solidFill>
-                  <a:schemeClr val="accent2"/>
-                </a:solidFill>
-                <a:prstDash val="solid"/>
-              </a:ln>
-              <a:solidFill>
-                <a:schemeClr val="accent2">
-                  <a:lumMod val="40000"/>
-                  <a:lumOff val="60000"/>
-                </a:schemeClr>
-              </a:solidFill>
-              <a:effectLst/>
-            </a:endParaRPr>
-          </a:p>
-        </p:txBody>
-      </p:sp>
-    </p:spTree>
-    <p:extLst>
-      <p:ext uri="{BB962C8B-B14F-4D97-AF65-F5344CB8AC3E}">
-        <p14:creationId xmlns:p14="http://schemas.microsoft.com/office/powerpoint/2010/main" val="740036641"/>
-      </p:ext>
-    </p:extLst>
-  </p:cSld>
-  <p:clrMapOvr>
-    <a:masterClrMapping/>
-  </p:clrMapOvr>
-</p:sld>
-</file>
-
-<file path=ppt/slides/slide2.xml><?xml version="1.0" encoding="utf-8"?>
-<p:sld xmlns:a="http://schemas.openxmlformats.org/drawingml/2006/main" xmlns:r="http://schemas.openxmlformats.org/officeDocument/2006/relationships" xmlns:p="http://schemas.openxmlformats.org/presentationml/2006/main">
-  <p:cSld>
     <p:spTree>
       <p:nvGrpSpPr>
         <p:cNvPr id="1" name=""/>
@@ -4557,7 +4426,7 @@
           </a:ln>
           <a:extLst>
             <a:ext uri="{C572A759-6A51-4108-AA02-DFA0A04FC94B}">
-              <ma14:wrappingTextBoxFlag xmlns:ma14="http://schemas.microsoft.com/office/mac/drawingml/2011/main" xmlns:a14="http://schemas.microsoft.com/office/drawing/2010/main" xmlns:m="http://schemas.openxmlformats.org/officeDocument/2006/math" xmlns="" val="1"/>
+              <ma14:wrappingTextBoxFlag xmlns="" xmlns:m="http://schemas.openxmlformats.org/officeDocument/2006/math" xmlns:a14="http://schemas.microsoft.com/office/drawing/2010/main" xmlns:ma14="http://schemas.microsoft.com/office/mac/drawingml/2011/main" val="1"/>
             </a:ext>
           </a:extLst>
         </p:spPr>
@@ -4881,7 +4750,7 @@
 </p:sld>
 </file>
 
-<file path=ppt/slides/slide3.xml><?xml version="1.0" encoding="utf-8"?>
+<file path=ppt/slides/slide2.xml><?xml version="1.0" encoding="utf-8"?>
 <p:sld xmlns:a="http://schemas.openxmlformats.org/drawingml/2006/main" xmlns:r="http://schemas.openxmlformats.org/officeDocument/2006/relationships" xmlns:p="http://schemas.openxmlformats.org/presentationml/2006/main">
   <p:cSld>
     <p:spTree>
@@ -5810,7 +5679,7 @@
           </a:ln>
           <a:extLst>
             <a:ext uri="{C572A759-6A51-4108-AA02-DFA0A04FC94B}">
-              <ma14:wrappingTextBoxFlag xmlns:ma14="http://schemas.microsoft.com/office/mac/drawingml/2011/main" xmlns:a14="http://schemas.microsoft.com/office/drawing/2010/main" xmlns:m="http://schemas.openxmlformats.org/officeDocument/2006/math" xmlns="" val="1"/>
+              <ma14:wrappingTextBoxFlag xmlns="" xmlns:m="http://schemas.openxmlformats.org/officeDocument/2006/math" xmlns:a14="http://schemas.microsoft.com/office/drawing/2010/main" xmlns:ma14="http://schemas.microsoft.com/office/mac/drawingml/2011/main" val="1"/>
             </a:ext>
           </a:extLst>
         </p:spPr>
@@ -6655,7 +6524,7 @@
 </p:sld>
 </file>
 
-<file path=ppt/slides/slide4.xml><?xml version="1.0" encoding="utf-8"?>
+<file path=ppt/slides/slide3.xml><?xml version="1.0" encoding="utf-8"?>
 <p:sld xmlns:a="http://schemas.openxmlformats.org/drawingml/2006/main" xmlns:r="http://schemas.openxmlformats.org/officeDocument/2006/relationships" xmlns:p="http://schemas.openxmlformats.org/presentationml/2006/main">
   <p:cSld>
     <p:spTree>
@@ -8976,7 +8845,7 @@
 </p:sld>
 </file>
 
-<file path=ppt/slides/slide5.xml><?xml version="1.0" encoding="utf-8"?>
+<file path=ppt/slides/slide4.xml><?xml version="1.0" encoding="utf-8"?>
 <p:sld xmlns:a="http://schemas.openxmlformats.org/drawingml/2006/main" xmlns:r="http://schemas.openxmlformats.org/officeDocument/2006/relationships" xmlns:p="http://schemas.openxmlformats.org/presentationml/2006/main">
   <p:cSld>
     <p:spTree>
@@ -9696,7 +9565,7 @@
           </a:ln>
           <a:extLst>
             <a:ext uri="{C572A759-6A51-4108-AA02-DFA0A04FC94B}">
-              <ma14:wrappingTextBoxFlag xmlns:ma14="http://schemas.microsoft.com/office/mac/drawingml/2011/main" xmlns:a14="http://schemas.microsoft.com/office/drawing/2010/main" xmlns:m="http://schemas.openxmlformats.org/officeDocument/2006/math" xmlns="" val="1"/>
+              <ma14:wrappingTextBoxFlag xmlns="" xmlns:m="http://schemas.openxmlformats.org/officeDocument/2006/math" xmlns:a14="http://schemas.microsoft.com/office/drawing/2010/main" xmlns:ma14="http://schemas.microsoft.com/office/mac/drawingml/2011/main" val="1"/>
             </a:ext>
           </a:extLst>
         </p:spPr>
